--- a/documents/Document Base De Données.pptx
+++ b/documents/Document Base De Données.pptx
@@ -110,6 +110,11 @@
       </a:defRPr>
     </a:lvl9pPr>
   </p:defaultTextStyle>
+  <p:extLst>
+    <p:ext uri="{EFAFB233-063F-42B5-8137-9DF3F51BA10A}">
+      <p15:sldGuideLst xmlns:p15="http://schemas.microsoft.com/office/powerpoint/2012/main"/>
+    </p:ext>
+  </p:extLst>
 </p:presentation>
 </file>
 
@@ -260,9 +265,9 @@
           <a:p>
             <a:fld id="{59C98478-05B9-409A-A954-7EB829CD9982}" type="datetimeFigureOut">
               <a:rPr lang="fr-FR" smtClean="0"/>
-              <a:t>19/12/2019</a:t>
+              <a:t>20/12/2019</a:t>
             </a:fld>
-            <a:endParaRPr lang="fr-FR"/>
+            <a:endParaRPr lang="fr-FR" dirty="0"/>
           </a:p>
         </p:txBody>
       </p:sp>
@@ -287,7 +292,7 @@
           <a:bodyPr/>
           <a:lstStyle/>
           <a:p>
-            <a:endParaRPr lang="fr-FR"/>
+            <a:endParaRPr lang="fr-FR" dirty="0"/>
           </a:p>
         </p:txBody>
       </p:sp>
@@ -316,7 +321,7 @@
               <a:rPr lang="fr-FR" smtClean="0"/>
               <a:t>‹N°›</a:t>
             </a:fld>
-            <a:endParaRPr lang="fr-FR"/>
+            <a:endParaRPr lang="fr-FR" dirty="0"/>
           </a:p>
         </p:txBody>
       </p:sp>
@@ -458,9 +463,9 @@
           <a:p>
             <a:fld id="{59C98478-05B9-409A-A954-7EB829CD9982}" type="datetimeFigureOut">
               <a:rPr lang="fr-FR" smtClean="0"/>
-              <a:t>19/12/2019</a:t>
+              <a:t>20/12/2019</a:t>
             </a:fld>
-            <a:endParaRPr lang="fr-FR"/>
+            <a:endParaRPr lang="fr-FR" dirty="0"/>
           </a:p>
         </p:txBody>
       </p:sp>
@@ -485,7 +490,7 @@
           <a:bodyPr/>
           <a:lstStyle/>
           <a:p>
-            <a:endParaRPr lang="fr-FR"/>
+            <a:endParaRPr lang="fr-FR" dirty="0"/>
           </a:p>
         </p:txBody>
       </p:sp>
@@ -514,7 +519,7 @@
               <a:rPr lang="fr-FR" smtClean="0"/>
               <a:t>‹N°›</a:t>
             </a:fld>
-            <a:endParaRPr lang="fr-FR"/>
+            <a:endParaRPr lang="fr-FR" dirty="0"/>
           </a:p>
         </p:txBody>
       </p:sp>
@@ -666,9 +671,9 @@
           <a:p>
             <a:fld id="{59C98478-05B9-409A-A954-7EB829CD9982}" type="datetimeFigureOut">
               <a:rPr lang="fr-FR" smtClean="0"/>
-              <a:t>19/12/2019</a:t>
+              <a:t>20/12/2019</a:t>
             </a:fld>
-            <a:endParaRPr lang="fr-FR"/>
+            <a:endParaRPr lang="fr-FR" dirty="0"/>
           </a:p>
         </p:txBody>
       </p:sp>
@@ -693,7 +698,7 @@
           <a:bodyPr/>
           <a:lstStyle/>
           <a:p>
-            <a:endParaRPr lang="fr-FR"/>
+            <a:endParaRPr lang="fr-FR" dirty="0"/>
           </a:p>
         </p:txBody>
       </p:sp>
@@ -722,7 +727,7 @@
               <a:rPr lang="fr-FR" smtClean="0"/>
               <a:t>‹N°›</a:t>
             </a:fld>
-            <a:endParaRPr lang="fr-FR"/>
+            <a:endParaRPr lang="fr-FR" dirty="0"/>
           </a:p>
         </p:txBody>
       </p:sp>
@@ -864,9 +869,9 @@
           <a:p>
             <a:fld id="{59C98478-05B9-409A-A954-7EB829CD9982}" type="datetimeFigureOut">
               <a:rPr lang="fr-FR" smtClean="0"/>
-              <a:t>19/12/2019</a:t>
+              <a:t>20/12/2019</a:t>
             </a:fld>
-            <a:endParaRPr lang="fr-FR"/>
+            <a:endParaRPr lang="fr-FR" dirty="0"/>
           </a:p>
         </p:txBody>
       </p:sp>
@@ -891,7 +896,7 @@
           <a:bodyPr/>
           <a:lstStyle/>
           <a:p>
-            <a:endParaRPr lang="fr-FR"/>
+            <a:endParaRPr lang="fr-FR" dirty="0"/>
           </a:p>
         </p:txBody>
       </p:sp>
@@ -920,7 +925,7 @@
               <a:rPr lang="fr-FR" smtClean="0"/>
               <a:t>‹N°›</a:t>
             </a:fld>
-            <a:endParaRPr lang="fr-FR"/>
+            <a:endParaRPr lang="fr-FR" dirty="0"/>
           </a:p>
         </p:txBody>
       </p:sp>
@@ -1139,9 +1144,9 @@
           <a:p>
             <a:fld id="{59C98478-05B9-409A-A954-7EB829CD9982}" type="datetimeFigureOut">
               <a:rPr lang="fr-FR" smtClean="0"/>
-              <a:t>19/12/2019</a:t>
+              <a:t>20/12/2019</a:t>
             </a:fld>
-            <a:endParaRPr lang="fr-FR"/>
+            <a:endParaRPr lang="fr-FR" dirty="0"/>
           </a:p>
         </p:txBody>
       </p:sp>
@@ -1166,7 +1171,7 @@
           <a:bodyPr/>
           <a:lstStyle/>
           <a:p>
-            <a:endParaRPr lang="fr-FR"/>
+            <a:endParaRPr lang="fr-FR" dirty="0"/>
           </a:p>
         </p:txBody>
       </p:sp>
@@ -1195,7 +1200,7 @@
               <a:rPr lang="fr-FR" smtClean="0"/>
               <a:t>‹N°›</a:t>
             </a:fld>
-            <a:endParaRPr lang="fr-FR"/>
+            <a:endParaRPr lang="fr-FR" dirty="0"/>
           </a:p>
         </p:txBody>
       </p:sp>
@@ -1404,9 +1409,9 @@
           <a:p>
             <a:fld id="{59C98478-05B9-409A-A954-7EB829CD9982}" type="datetimeFigureOut">
               <a:rPr lang="fr-FR" smtClean="0"/>
-              <a:t>19/12/2019</a:t>
+              <a:t>20/12/2019</a:t>
             </a:fld>
-            <a:endParaRPr lang="fr-FR"/>
+            <a:endParaRPr lang="fr-FR" dirty="0"/>
           </a:p>
         </p:txBody>
       </p:sp>
@@ -1431,7 +1436,7 @@
           <a:bodyPr/>
           <a:lstStyle/>
           <a:p>
-            <a:endParaRPr lang="fr-FR"/>
+            <a:endParaRPr lang="fr-FR" dirty="0"/>
           </a:p>
         </p:txBody>
       </p:sp>
@@ -1460,7 +1465,7 @@
               <a:rPr lang="fr-FR" smtClean="0"/>
               <a:t>‹N°›</a:t>
             </a:fld>
-            <a:endParaRPr lang="fr-FR"/>
+            <a:endParaRPr lang="fr-FR" dirty="0"/>
           </a:p>
         </p:txBody>
       </p:sp>
@@ -1816,9 +1821,9 @@
           <a:p>
             <a:fld id="{59C98478-05B9-409A-A954-7EB829CD9982}" type="datetimeFigureOut">
               <a:rPr lang="fr-FR" smtClean="0"/>
-              <a:t>19/12/2019</a:t>
+              <a:t>20/12/2019</a:t>
             </a:fld>
-            <a:endParaRPr lang="fr-FR"/>
+            <a:endParaRPr lang="fr-FR" dirty="0"/>
           </a:p>
         </p:txBody>
       </p:sp>
@@ -1843,7 +1848,7 @@
           <a:bodyPr/>
           <a:lstStyle/>
           <a:p>
-            <a:endParaRPr lang="fr-FR"/>
+            <a:endParaRPr lang="fr-FR" dirty="0"/>
           </a:p>
         </p:txBody>
       </p:sp>
@@ -1872,7 +1877,7 @@
               <a:rPr lang="fr-FR" smtClean="0"/>
               <a:t>‹N°›</a:t>
             </a:fld>
-            <a:endParaRPr lang="fr-FR"/>
+            <a:endParaRPr lang="fr-FR" dirty="0"/>
           </a:p>
         </p:txBody>
       </p:sp>
@@ -1957,9 +1962,9 @@
           <a:p>
             <a:fld id="{59C98478-05B9-409A-A954-7EB829CD9982}" type="datetimeFigureOut">
               <a:rPr lang="fr-FR" smtClean="0"/>
-              <a:t>19/12/2019</a:t>
+              <a:t>20/12/2019</a:t>
             </a:fld>
-            <a:endParaRPr lang="fr-FR"/>
+            <a:endParaRPr lang="fr-FR" dirty="0"/>
           </a:p>
         </p:txBody>
       </p:sp>
@@ -1984,7 +1989,7 @@
           <a:bodyPr/>
           <a:lstStyle/>
           <a:p>
-            <a:endParaRPr lang="fr-FR"/>
+            <a:endParaRPr lang="fr-FR" dirty="0"/>
           </a:p>
         </p:txBody>
       </p:sp>
@@ -2013,7 +2018,7 @@
               <a:rPr lang="fr-FR" smtClean="0"/>
               <a:t>‹N°›</a:t>
             </a:fld>
-            <a:endParaRPr lang="fr-FR"/>
+            <a:endParaRPr lang="fr-FR" dirty="0"/>
           </a:p>
         </p:txBody>
       </p:sp>
@@ -2070,9 +2075,9 @@
           <a:p>
             <a:fld id="{59C98478-05B9-409A-A954-7EB829CD9982}" type="datetimeFigureOut">
               <a:rPr lang="fr-FR" smtClean="0"/>
-              <a:t>19/12/2019</a:t>
+              <a:t>20/12/2019</a:t>
             </a:fld>
-            <a:endParaRPr lang="fr-FR"/>
+            <a:endParaRPr lang="fr-FR" dirty="0"/>
           </a:p>
         </p:txBody>
       </p:sp>
@@ -2097,7 +2102,7 @@
           <a:bodyPr/>
           <a:lstStyle/>
           <a:p>
-            <a:endParaRPr lang="fr-FR"/>
+            <a:endParaRPr lang="fr-FR" dirty="0"/>
           </a:p>
         </p:txBody>
       </p:sp>
@@ -2126,7 +2131,7 @@
               <a:rPr lang="fr-FR" smtClean="0"/>
               <a:t>‹N°›</a:t>
             </a:fld>
-            <a:endParaRPr lang="fr-FR"/>
+            <a:endParaRPr lang="fr-FR" dirty="0"/>
           </a:p>
         </p:txBody>
       </p:sp>
@@ -2381,9 +2386,9 @@
           <a:p>
             <a:fld id="{59C98478-05B9-409A-A954-7EB829CD9982}" type="datetimeFigureOut">
               <a:rPr lang="fr-FR" smtClean="0"/>
-              <a:t>19/12/2019</a:t>
+              <a:t>20/12/2019</a:t>
             </a:fld>
-            <a:endParaRPr lang="fr-FR"/>
+            <a:endParaRPr lang="fr-FR" dirty="0"/>
           </a:p>
         </p:txBody>
       </p:sp>
@@ -2408,7 +2413,7 @@
           <a:bodyPr/>
           <a:lstStyle/>
           <a:p>
-            <a:endParaRPr lang="fr-FR"/>
+            <a:endParaRPr lang="fr-FR" dirty="0"/>
           </a:p>
         </p:txBody>
       </p:sp>
@@ -2437,7 +2442,7 @@
               <a:rPr lang="fr-FR" smtClean="0"/>
               <a:t>‹N°›</a:t>
             </a:fld>
-            <a:endParaRPr lang="fr-FR"/>
+            <a:endParaRPr lang="fr-FR" dirty="0"/>
           </a:p>
         </p:txBody>
       </p:sp>
@@ -2571,7 +2576,7 @@
             </a:lvl9pPr>
           </a:lstStyle>
           <a:p>
-            <a:endParaRPr lang="fr-FR"/>
+            <a:endParaRPr lang="fr-FR" dirty="0"/>
           </a:p>
         </p:txBody>
       </p:sp>
@@ -2669,9 +2674,9 @@
           <a:p>
             <a:fld id="{59C98478-05B9-409A-A954-7EB829CD9982}" type="datetimeFigureOut">
               <a:rPr lang="fr-FR" smtClean="0"/>
-              <a:t>19/12/2019</a:t>
+              <a:t>20/12/2019</a:t>
             </a:fld>
-            <a:endParaRPr lang="fr-FR"/>
+            <a:endParaRPr lang="fr-FR" dirty="0"/>
           </a:p>
         </p:txBody>
       </p:sp>
@@ -2696,7 +2701,7 @@
           <a:bodyPr/>
           <a:lstStyle/>
           <a:p>
-            <a:endParaRPr lang="fr-FR"/>
+            <a:endParaRPr lang="fr-FR" dirty="0"/>
           </a:p>
         </p:txBody>
       </p:sp>
@@ -2725,7 +2730,7 @@
               <a:rPr lang="fr-FR" smtClean="0"/>
               <a:t>‹N°›</a:t>
             </a:fld>
-            <a:endParaRPr lang="fr-FR"/>
+            <a:endParaRPr lang="fr-FR" dirty="0"/>
           </a:p>
         </p:txBody>
       </p:sp>
@@ -2910,9 +2915,9 @@
           <a:p>
             <a:fld id="{59C98478-05B9-409A-A954-7EB829CD9982}" type="datetimeFigureOut">
               <a:rPr lang="fr-FR" smtClean="0"/>
-              <a:t>19/12/2019</a:t>
+              <a:t>20/12/2019</a:t>
             </a:fld>
-            <a:endParaRPr lang="fr-FR"/>
+            <a:endParaRPr lang="fr-FR" dirty="0"/>
           </a:p>
         </p:txBody>
       </p:sp>
@@ -2955,7 +2960,7 @@
             </a:lvl1pPr>
           </a:lstStyle>
           <a:p>
-            <a:endParaRPr lang="fr-FR"/>
+            <a:endParaRPr lang="fr-FR" dirty="0"/>
           </a:p>
         </p:txBody>
       </p:sp>
@@ -3002,7 +3007,7 @@
               <a:rPr lang="fr-FR" smtClean="0"/>
               <a:t>‹N°›</a:t>
             </a:fld>
-            <a:endParaRPr lang="fr-FR"/>
+            <a:endParaRPr lang="fr-FR" dirty="0"/>
           </a:p>
         </p:txBody>
       </p:sp>
@@ -3391,15 +3396,7 @@
             <a:pPr algn="l"/>
             <a:r>
               <a:rPr lang="fr-FR" dirty="0"/>
-              <a:t>Pour ce dossier de site « </a:t>
-            </a:r>
-            <a:r>
-              <a:rPr lang="fr-FR" dirty="0" err="1"/>
-              <a:t>Porfolio</a:t>
-            </a:r>
-            <a:r>
-              <a:rPr lang="fr-FR" dirty="0"/>
-              <a:t> », J’ai identifié 2 types de bases de données :</a:t>
+              <a:t>Pour ce dossier de site « Portfolio », J’ai identifié 2 types de bases de données :</a:t>
             </a:r>
           </a:p>
           <a:p>
@@ -3570,21 +3567,8 @@
             <a:pPr algn="l"/>
             <a:r>
               <a:rPr lang="fr-FR" dirty="0"/>
-              <a:t>	</a:t>
-            </a:r>
-            <a:r>
-              <a:rPr lang="fr-FR" dirty="0" err="1"/>
-              <a:t>formulaireMessage</a:t>
-            </a:r>
-            <a:r>
-              <a:rPr lang="fr-FR" dirty="0"/>
-              <a:t>				</a:t>
-            </a:r>
-            <a:r>
-              <a:rPr lang="fr-FR" dirty="0" err="1"/>
-              <a:t>formulaireRecommandation</a:t>
-            </a:r>
-            <a:endParaRPr lang="fr-FR" dirty="0"/>
+              <a:t>	formulaireMessage				formulaireRecommandation</a:t>
+            </a:r>
           </a:p>
           <a:p>
             <a:pPr algn="l"/>
@@ -4572,13 +4556,8 @@
             <a:pPr algn="l"/>
             <a:r>
               <a:rPr lang="fr-FR" dirty="0"/>
-              <a:t>	nom		date		projet				</a:t>
-            </a:r>
-            <a:r>
-              <a:rPr lang="fr-FR" dirty="0" err="1"/>
-              <a:t>hardskills</a:t>
-            </a:r>
-            <a:endParaRPr lang="fr-FR" dirty="0"/>
+              <a:t>	nom		date		projet				hardskills</a:t>
+            </a:r>
           </a:p>
           <a:p>
             <a:pPr algn="l"/>
@@ -4602,13 +4581,8 @@
             <a:pPr algn="l"/>
             <a:r>
               <a:rPr lang="fr-FR" dirty="0"/>
-              <a:t>	domaine difficulté						</a:t>
-            </a:r>
-            <a:r>
-              <a:rPr lang="fr-FR" dirty="0" err="1"/>
-              <a:t>softskills</a:t>
-            </a:r>
-            <a:endParaRPr lang="fr-FR" dirty="0"/>
+              <a:t>	domaine difficulté						softskills</a:t>
+            </a:r>
           </a:p>
           <a:p>
             <a:pPr algn="l"/>
